--- a/S01/python-S01.pptx
+++ b/S01/python-S01.pptx
@@ -114,6 +114,11 @@
       </a:defRPr>
     </a:lvl9pPr>
   </p:defaultTextStyle>
+  <p:extLst>
+    <p:ext uri="{EFAFB233-063F-42B5-8137-9DF3F51BA10A}">
+      <p15:sldGuideLst xmlns:p15="http://schemas.microsoft.com/office/powerpoint/2012/main"/>
+    </p:ext>
+  </p:extLst>
 </p:presentation>
 </file>
 
@@ -302,7 +307,7 @@
           <a:p>
             <a:fld id="{1B47A3A2-ECA8-4476-8799-B477369250BE}" type="datetimeFigureOut">
               <a:rPr lang="en-US" smtClean="0"/>
-              <a:t>9/22/2025</a:t>
+              <a:t>10/13/2025</a:t>
             </a:fld>
             <a:endParaRPr lang="en-US"/>
           </a:p>
@@ -600,7 +605,7 @@
           <a:p>
             <a:fld id="{1B47A3A2-ECA8-4476-8799-B477369250BE}" type="datetimeFigureOut">
               <a:rPr lang="en-US" smtClean="0"/>
-              <a:t>9/22/2025</a:t>
+              <a:t>10/13/2025</a:t>
             </a:fld>
             <a:endParaRPr lang="en-US"/>
           </a:p>
@@ -792,7 +797,7 @@
           <a:p>
             <a:fld id="{1B47A3A2-ECA8-4476-8799-B477369250BE}" type="datetimeFigureOut">
               <a:rPr lang="en-US" smtClean="0"/>
-              <a:t>9/22/2025</a:t>
+              <a:t>10/13/2025</a:t>
             </a:fld>
             <a:endParaRPr lang="en-US"/>
           </a:p>
@@ -1053,7 +1058,7 @@
           <a:p>
             <a:fld id="{1B47A3A2-ECA8-4476-8799-B477369250BE}" type="datetimeFigureOut">
               <a:rPr lang="en-US" smtClean="0"/>
-              <a:t>9/22/2025</a:t>
+              <a:t>10/13/2025</a:t>
             </a:fld>
             <a:endParaRPr lang="en-US"/>
           </a:p>
@@ -1477,7 +1482,7 @@
           <a:p>
             <a:fld id="{1B47A3A2-ECA8-4476-8799-B477369250BE}" type="datetimeFigureOut">
               <a:rPr lang="en-US" smtClean="0"/>
-              <a:t>9/22/2025</a:t>
+              <a:t>10/13/2025</a:t>
             </a:fld>
             <a:endParaRPr lang="en-US"/>
           </a:p>
@@ -2014,7 +2019,7 @@
           <a:p>
             <a:fld id="{1B47A3A2-ECA8-4476-8799-B477369250BE}" type="datetimeFigureOut">
               <a:rPr lang="en-US" smtClean="0"/>
-              <a:t>9/22/2025</a:t>
+              <a:t>10/13/2025</a:t>
             </a:fld>
             <a:endParaRPr lang="en-US"/>
           </a:p>
@@ -2878,7 +2883,7 @@
           <a:p>
             <a:fld id="{1B47A3A2-ECA8-4476-8799-B477369250BE}" type="datetimeFigureOut">
               <a:rPr lang="en-US" smtClean="0"/>
-              <a:t>9/22/2025</a:t>
+              <a:t>10/13/2025</a:t>
             </a:fld>
             <a:endParaRPr lang="en-US"/>
           </a:p>
@@ -3048,7 +3053,7 @@
           <a:p>
             <a:fld id="{1B47A3A2-ECA8-4476-8799-B477369250BE}" type="datetimeFigureOut">
               <a:rPr lang="en-US" smtClean="0"/>
-              <a:t>9/22/2025</a:t>
+              <a:t>10/13/2025</a:t>
             </a:fld>
             <a:endParaRPr lang="en-US"/>
           </a:p>
@@ -3232,7 +3237,7 @@
           <a:p>
             <a:fld id="{1B47A3A2-ECA8-4476-8799-B477369250BE}" type="datetimeFigureOut">
               <a:rPr lang="en-US" smtClean="0"/>
-              <a:t>9/22/2025</a:t>
+              <a:t>10/13/2025</a:t>
             </a:fld>
             <a:endParaRPr lang="en-US"/>
           </a:p>
@@ -3402,7 +3407,7 @@
           <a:p>
             <a:fld id="{1B47A3A2-ECA8-4476-8799-B477369250BE}" type="datetimeFigureOut">
               <a:rPr lang="en-US" smtClean="0"/>
-              <a:t>9/22/2025</a:t>
+              <a:t>10/13/2025</a:t>
             </a:fld>
             <a:endParaRPr lang="en-US"/>
           </a:p>
@@ -3646,7 +3651,7 @@
           <a:p>
             <a:fld id="{1B47A3A2-ECA8-4476-8799-B477369250BE}" type="datetimeFigureOut">
               <a:rPr lang="en-US" smtClean="0"/>
-              <a:t>9/22/2025</a:t>
+              <a:t>10/13/2025</a:t>
             </a:fld>
             <a:endParaRPr lang="en-US"/>
           </a:p>
@@ -3882,7 +3887,7 @@
           <a:p>
             <a:fld id="{1B47A3A2-ECA8-4476-8799-B477369250BE}" type="datetimeFigureOut">
               <a:rPr lang="en-US" smtClean="0"/>
-              <a:t>9/22/2025</a:t>
+              <a:t>10/13/2025</a:t>
             </a:fld>
             <a:endParaRPr lang="en-US"/>
           </a:p>
@@ -4348,7 +4353,7 @@
           <a:p>
             <a:fld id="{1B47A3A2-ECA8-4476-8799-B477369250BE}" type="datetimeFigureOut">
               <a:rPr lang="en-US" smtClean="0"/>
-              <a:t>9/22/2025</a:t>
+              <a:t>10/13/2025</a:t>
             </a:fld>
             <a:endParaRPr lang="en-US"/>
           </a:p>
@@ -4466,7 +4471,7 @@
           <a:p>
             <a:fld id="{1B47A3A2-ECA8-4476-8799-B477369250BE}" type="datetimeFigureOut">
               <a:rPr lang="en-US" smtClean="0"/>
-              <a:t>9/22/2025</a:t>
+              <a:t>10/13/2025</a:t>
             </a:fld>
             <a:endParaRPr lang="en-US"/>
           </a:p>
@@ -4561,7 +4566,7 @@
           <a:p>
             <a:fld id="{1B47A3A2-ECA8-4476-8799-B477369250BE}" type="datetimeFigureOut">
               <a:rPr lang="en-US" smtClean="0"/>
-              <a:t>9/22/2025</a:t>
+              <a:t>10/13/2025</a:t>
             </a:fld>
             <a:endParaRPr lang="en-US"/>
           </a:p>
@@ -4816,7 +4821,7 @@
           <a:p>
             <a:fld id="{1B47A3A2-ECA8-4476-8799-B477369250BE}" type="datetimeFigureOut">
               <a:rPr lang="en-US" smtClean="0"/>
-              <a:t>9/22/2025</a:t>
+              <a:t>10/13/2025</a:t>
             </a:fld>
             <a:endParaRPr lang="en-US"/>
           </a:p>
@@ -5116,7 +5121,7 @@
           <a:p>
             <a:fld id="{1B47A3A2-ECA8-4476-8799-B477369250BE}" type="datetimeFigureOut">
               <a:rPr lang="en-US" smtClean="0"/>
-              <a:t>9/22/2025</a:t>
+              <a:t>10/13/2025</a:t>
             </a:fld>
             <a:endParaRPr lang="en-US"/>
           </a:p>
@@ -5350,7 +5355,7 @@
           <a:p>
             <a:fld id="{1B47A3A2-ECA8-4476-8799-B477369250BE}" type="datetimeFigureOut">
               <a:rPr lang="en-US" smtClean="0"/>
-              <a:t>9/22/2025</a:t>
+              <a:t>10/13/2025</a:t>
             </a:fld>
             <a:endParaRPr lang="en-US"/>
           </a:p>
@@ -6279,7 +6284,7 @@
           <a:lstStyle/>
           <a:p>
             <a:r>
-              <a:rPr lang="fa-IR" b="1" dirty="0">
+              <a:rPr lang="fa-IR" b="1">
                 <a:effectLst>
                   <a:outerShdw blurRad="38100" dist="38100" dir="2700000" algn="tl">
                     <a:srgbClr val="000000">
@@ -6290,7 +6295,7 @@
                 <a:latin typeface="IRANSans" panose="02040503050201020203" pitchFamily="18" charset="-78"/>
                 <a:cs typeface="IRANSans" panose="02040503050201020203" pitchFamily="18" charset="-78"/>
               </a:rPr>
-              <a:t>تکلیف</a:t>
+              <a:t>تمرین 1</a:t>
             </a:r>
             <a:endParaRPr lang="en-US" b="1" dirty="0">
               <a:effectLst>
